--- a/mlstart.backprop.pptx
+++ b/mlstart.backprop.pptx
@@ -18,6 +18,8 @@
     <p:sldId id="267" r:id="rId12"/>
     <p:sldId id="268" r:id="rId13"/>
     <p:sldId id="270" r:id="rId14"/>
+    <p:sldId id="271" r:id="rId15"/>
+    <p:sldId id="272" r:id="rId16"/>
   </p:sldIdLst>
   <p:sldSz cx="12192000" cy="6858000"/>
   <p:notesSz cx="6858000" cy="9144000"/>
@@ -3991,6 +3993,296 @@
     <p:extLst>
       <p:ext uri="{BB962C8B-B14F-4D97-AF65-F5344CB8AC3E}">
         <p14:creationId xmlns:p14="http://schemas.microsoft.com/office/powerpoint/2010/main" val="1064385677"/>
+      </p:ext>
+    </p:extLst>
+  </p:cSld>
+  <p:clrMapOvr>
+    <a:masterClrMapping/>
+  </p:clrMapOvr>
+</p:sld>
+</file>
+
+<file path=ppt/slides/slide14.xml><?xml version="1.0" encoding="utf-8"?>
+<p:sld xmlns:a="http://schemas.openxmlformats.org/drawingml/2006/main" xmlns:r="http://schemas.openxmlformats.org/officeDocument/2006/relationships" xmlns:p="http://schemas.openxmlformats.org/presentationml/2006/main">
+  <p:cSld>
+    <p:spTree>
+      <p:nvGrpSpPr>
+        <p:cNvPr id="1" name=""/>
+        <p:cNvGrpSpPr/>
+        <p:nvPr/>
+      </p:nvGrpSpPr>
+      <p:grpSpPr>
+        <a:xfrm>
+          <a:off x="0" y="0"/>
+          <a:ext cx="0" cy="0"/>
+          <a:chOff x="0" y="0"/>
+          <a:chExt cx="0" cy="0"/>
+        </a:xfrm>
+      </p:grpSpPr>
+      <p:sp>
+        <p:nvSpPr>
+          <p:cNvPr id="2" name="Заголовок 1">
+            <a:extLst>
+              <a:ext uri="{FF2B5EF4-FFF2-40B4-BE49-F238E27FC236}">
+                <a16:creationId xmlns:a16="http://schemas.microsoft.com/office/drawing/2014/main" id="{83223D73-239D-4AE2-8133-BCA431AAC0CB}"/>
+              </a:ext>
+            </a:extLst>
+          </p:cNvPr>
+          <p:cNvSpPr>
+            <a:spLocks noGrp="1"/>
+          </p:cNvSpPr>
+          <p:nvPr>
+            <p:ph type="title"/>
+          </p:nvPr>
+        </p:nvSpPr>
+        <p:spPr/>
+        <p:txBody>
+          <a:bodyPr/>
+          <a:lstStyle/>
+          <a:p>
+            <a:pPr algn="ctr"/>
+            <a:r>
+              <a:rPr lang="ru-RU" b="1" dirty="0">
+                <a:latin typeface="Century Gothic" panose="020B0502020202020204" pitchFamily="34" charset="0"/>
+              </a:rPr>
+              <a:t>Ссылки на литературу</a:t>
+            </a:r>
+          </a:p>
+        </p:txBody>
+      </p:sp>
+      <p:sp>
+        <p:nvSpPr>
+          <p:cNvPr id="4" name="TextBox 3">
+            <a:extLst>
+              <a:ext uri="{FF2B5EF4-FFF2-40B4-BE49-F238E27FC236}">
+                <a16:creationId xmlns:a16="http://schemas.microsoft.com/office/drawing/2014/main" id="{CA8F3D30-4D19-4F03-B8A6-452A25A426E7}"/>
+              </a:ext>
+            </a:extLst>
+          </p:cNvPr>
+          <p:cNvSpPr txBox="1"/>
+          <p:nvPr/>
+        </p:nvSpPr>
+        <p:spPr>
+          <a:xfrm>
+            <a:off x="838200" y="1949249"/>
+            <a:ext cx="9402639" cy="2246769"/>
+          </a:xfrm>
+          <a:prstGeom prst="rect">
+            <a:avLst/>
+          </a:prstGeom>
+          <a:noFill/>
+        </p:spPr>
+        <p:txBody>
+          <a:bodyPr wrap="none" rtlCol="0">
+            <a:spAutoFit/>
+          </a:bodyPr>
+          <a:lstStyle/>
+          <a:p>
+            <a:r>
+              <a:rPr lang="ru-RU" sz="2000" dirty="0"/>
+              <a:t>1. С. Николенко, Глубокое Обучение. Погружение в мир нейронных сетей</a:t>
+            </a:r>
+            <a:br>
+              <a:rPr lang="ru-RU" sz="2000" dirty="0"/>
+            </a:br>
+            <a:r>
+              <a:rPr lang="ru-RU" sz="2000" dirty="0"/>
+              <a:t>2. Гудфеллоу </a:t>
+            </a:r>
+            <a:r>
+              <a:rPr lang="ru-RU" sz="2000" dirty="0" err="1"/>
+              <a:t>Бенджио</a:t>
+            </a:r>
+            <a:r>
+              <a:rPr lang="ru-RU" sz="2000" dirty="0"/>
+              <a:t> </a:t>
+            </a:r>
+            <a:r>
+              <a:rPr lang="ru-RU" sz="2000" dirty="0" err="1"/>
+              <a:t>Курвилль</a:t>
+            </a:r>
+            <a:r>
+              <a:rPr lang="ru-RU" sz="2000" dirty="0"/>
+              <a:t> - Глубокое обучение </a:t>
+            </a:r>
+          </a:p>
+          <a:p>
+            <a:r>
+              <a:rPr lang="ru-RU" sz="2000" dirty="0"/>
+              <a:t>3. </a:t>
+            </a:r>
+            <a:r>
+              <a:rPr lang="en-US" sz="2000" dirty="0">
+                <a:hlinkClick r:id="rId2">
+                  <a:extLst>
+                    <a:ext uri="{A12FA001-AC4F-418D-AE19-62706E023703}">
+                      <ahyp:hlinkClr xmlns:ahyp="http://schemas.microsoft.com/office/drawing/2018/hyperlinkcolor" val="tx"/>
+                    </a:ext>
+                  </a:extLst>
+                </a:hlinkClick>
+              </a:rPr>
+              <a:t>https://ru.wikipedia.org/wiki/</a:t>
+            </a:r>
+            <a:r>
+              <a:rPr lang="ru-RU" sz="2000" dirty="0">
+                <a:hlinkClick r:id="rId2">
+                  <a:extLst>
+                    <a:ext uri="{A12FA001-AC4F-418D-AE19-62706E023703}">
+                      <ahyp:hlinkClr xmlns:ahyp="http://schemas.microsoft.com/office/drawing/2018/hyperlinkcolor" val="tx"/>
+                    </a:ext>
+                  </a:extLst>
+                </a:hlinkClick>
+              </a:rPr>
+              <a:t>Градиент</a:t>
+            </a:r>
+            <a:endParaRPr lang="ru-RU" sz="2000" dirty="0"/>
+          </a:p>
+          <a:p>
+            <a:r>
+              <a:rPr lang="ru-RU" sz="2000" dirty="0"/>
+              <a:t>4. </a:t>
+            </a:r>
+            <a:r>
+              <a:rPr lang="en-US" sz="2000" u="sng" dirty="0">
+                <a:hlinkClick r:id="rId3"/>
+              </a:rPr>
+              <a:t>https://ru.wikipedia.org/wiki/</a:t>
+            </a:r>
+            <a:r>
+              <a:rPr lang="ru-RU" sz="2000" u="sng" dirty="0" err="1">
+                <a:hlinkClick r:id="rId3"/>
+              </a:rPr>
+              <a:t>Метод_обратного_распространения_ошибки</a:t>
+            </a:r>
+            <a:br>
+              <a:rPr lang="ru-RU" sz="2000" u="sng" dirty="0"/>
+            </a:br>
+            <a:endParaRPr lang="ru-RU" sz="2000" u="sng" dirty="0"/>
+          </a:p>
+          <a:p>
+            <a:r>
+              <a:rPr lang="ru-RU" sz="2000" dirty="0"/>
+              <a:t>1.</a:t>
+            </a:r>
+            <a:r>
+              <a:rPr lang="en-US" sz="2000" dirty="0"/>
+              <a:t> </a:t>
+            </a:r>
+            <a:r>
+              <a:rPr lang="en-US" sz="2000" dirty="0">
+                <a:hlinkClick r:id="rId4"/>
+              </a:rPr>
+              <a:t>https://github.com/Anton-Vasyaev/mlstart.lesson.backprop</a:t>
+            </a:r>
+            <a:r>
+              <a:rPr lang="en-US" sz="2000" dirty="0"/>
+              <a:t> - </a:t>
+            </a:r>
+            <a:r>
+              <a:rPr lang="ru-RU" sz="2000" dirty="0"/>
+              <a:t>ссылка на репозиторий</a:t>
+            </a:r>
+          </a:p>
+          <a:p>
+            <a:endParaRPr lang="ru-RU" sz="2000" u="sng" dirty="0"/>
+          </a:p>
+        </p:txBody>
+      </p:sp>
+    </p:spTree>
+    <p:extLst>
+      <p:ext uri="{BB962C8B-B14F-4D97-AF65-F5344CB8AC3E}">
+        <p14:creationId xmlns:p14="http://schemas.microsoft.com/office/powerpoint/2010/main" val="3326218314"/>
+      </p:ext>
+    </p:extLst>
+  </p:cSld>
+  <p:clrMapOvr>
+    <a:masterClrMapping/>
+  </p:clrMapOvr>
+</p:sld>
+</file>
+
+<file path=ppt/slides/slide15.xml><?xml version="1.0" encoding="utf-8"?>
+<p:sld xmlns:a="http://schemas.openxmlformats.org/drawingml/2006/main" xmlns:r="http://schemas.openxmlformats.org/officeDocument/2006/relationships" xmlns:p="http://schemas.openxmlformats.org/presentationml/2006/main">
+  <p:cSld>
+    <p:spTree>
+      <p:nvGrpSpPr>
+        <p:cNvPr id="1" name=""/>
+        <p:cNvGrpSpPr/>
+        <p:nvPr/>
+      </p:nvGrpSpPr>
+      <p:grpSpPr>
+        <a:xfrm>
+          <a:off x="0" y="0"/>
+          <a:ext cx="0" cy="0"/>
+          <a:chOff x="0" y="0"/>
+          <a:chExt cx="0" cy="0"/>
+        </a:xfrm>
+      </p:grpSpPr>
+      <p:sp>
+        <p:nvSpPr>
+          <p:cNvPr id="2" name="Заголовок 1">
+            <a:extLst>
+              <a:ext uri="{FF2B5EF4-FFF2-40B4-BE49-F238E27FC236}">
+                <a16:creationId xmlns:a16="http://schemas.microsoft.com/office/drawing/2014/main" id="{83223D73-239D-4AE2-8133-BCA431AAC0CB}"/>
+              </a:ext>
+            </a:extLst>
+          </p:cNvPr>
+          <p:cNvSpPr>
+            <a:spLocks noGrp="1"/>
+          </p:cNvSpPr>
+          <p:nvPr>
+            <p:ph type="title"/>
+          </p:nvPr>
+        </p:nvSpPr>
+        <p:spPr/>
+        <p:txBody>
+          <a:bodyPr/>
+          <a:lstStyle/>
+          <a:p>
+            <a:pPr algn="ctr"/>
+            <a:r>
+              <a:rPr lang="ru-RU" b="1" dirty="0">
+                <a:latin typeface="Century Gothic" panose="020B0502020202020204" pitchFamily="34" charset="0"/>
+              </a:rPr>
+              <a:t>Домашнее задание</a:t>
+            </a:r>
+          </a:p>
+        </p:txBody>
+      </p:sp>
+      <p:pic>
+        <p:nvPicPr>
+          <p:cNvPr id="6" name="Рисунок 5">
+            <a:extLst>
+              <a:ext uri="{FF2B5EF4-FFF2-40B4-BE49-F238E27FC236}">
+                <a16:creationId xmlns:a16="http://schemas.microsoft.com/office/drawing/2014/main" id="{E25FB9BB-5A76-4ECF-BDB8-B879F1EA302C}"/>
+              </a:ext>
+            </a:extLst>
+          </p:cNvPr>
+          <p:cNvPicPr>
+            <a:picLocks noChangeAspect="1"/>
+          </p:cNvPicPr>
+          <p:nvPr/>
+        </p:nvPicPr>
+        <p:blipFill>
+          <a:blip r:embed="rId2"/>
+          <a:stretch>
+            <a:fillRect/>
+          </a:stretch>
+        </p:blipFill>
+        <p:spPr>
+          <a:xfrm>
+            <a:off x="647700" y="1690688"/>
+            <a:ext cx="10896600" cy="3571875"/>
+          </a:xfrm>
+          <a:prstGeom prst="rect">
+            <a:avLst/>
+          </a:prstGeom>
+        </p:spPr>
+      </p:pic>
+    </p:spTree>
+    <p:extLst>
+      <p:ext uri="{BB962C8B-B14F-4D97-AF65-F5344CB8AC3E}">
+        <p14:creationId xmlns:p14="http://schemas.microsoft.com/office/powerpoint/2010/main" val="3674541465"/>
       </p:ext>
     </p:extLst>
   </p:cSld>

--- a/mlstart.backprop.pptx
+++ b/mlstart.backprop.pptx
@@ -273,7 +273,7 @@
           <a:p>
             <a:fld id="{784E64D1-98C7-4B77-84F9-DF3C412D121F}" type="datetimeFigureOut">
               <a:rPr lang="ru-RU" smtClean="0"/>
-              <a:t>22.01.2020</a:t>
+              <a:t>23.01.2020</a:t>
             </a:fld>
             <a:endParaRPr lang="ru-RU"/>
           </a:p>
@@ -471,7 +471,7 @@
           <a:p>
             <a:fld id="{784E64D1-98C7-4B77-84F9-DF3C412D121F}" type="datetimeFigureOut">
               <a:rPr lang="ru-RU" smtClean="0"/>
-              <a:t>22.01.2020</a:t>
+              <a:t>23.01.2020</a:t>
             </a:fld>
             <a:endParaRPr lang="ru-RU"/>
           </a:p>
@@ -679,7 +679,7 @@
           <a:p>
             <a:fld id="{784E64D1-98C7-4B77-84F9-DF3C412D121F}" type="datetimeFigureOut">
               <a:rPr lang="ru-RU" smtClean="0"/>
-              <a:t>22.01.2020</a:t>
+              <a:t>23.01.2020</a:t>
             </a:fld>
             <a:endParaRPr lang="ru-RU"/>
           </a:p>
@@ -877,7 +877,7 @@
           <a:p>
             <a:fld id="{784E64D1-98C7-4B77-84F9-DF3C412D121F}" type="datetimeFigureOut">
               <a:rPr lang="ru-RU" smtClean="0"/>
-              <a:t>22.01.2020</a:t>
+              <a:t>23.01.2020</a:t>
             </a:fld>
             <a:endParaRPr lang="ru-RU"/>
           </a:p>
@@ -1152,7 +1152,7 @@
           <a:p>
             <a:fld id="{784E64D1-98C7-4B77-84F9-DF3C412D121F}" type="datetimeFigureOut">
               <a:rPr lang="ru-RU" smtClean="0"/>
-              <a:t>22.01.2020</a:t>
+              <a:t>23.01.2020</a:t>
             </a:fld>
             <a:endParaRPr lang="ru-RU"/>
           </a:p>
@@ -1417,7 +1417,7 @@
           <a:p>
             <a:fld id="{784E64D1-98C7-4B77-84F9-DF3C412D121F}" type="datetimeFigureOut">
               <a:rPr lang="ru-RU" smtClean="0"/>
-              <a:t>22.01.2020</a:t>
+              <a:t>23.01.2020</a:t>
             </a:fld>
             <a:endParaRPr lang="ru-RU"/>
           </a:p>
@@ -1829,7 +1829,7 @@
           <a:p>
             <a:fld id="{784E64D1-98C7-4B77-84F9-DF3C412D121F}" type="datetimeFigureOut">
               <a:rPr lang="ru-RU" smtClean="0"/>
-              <a:t>22.01.2020</a:t>
+              <a:t>23.01.2020</a:t>
             </a:fld>
             <a:endParaRPr lang="ru-RU"/>
           </a:p>
@@ -1970,7 +1970,7 @@
           <a:p>
             <a:fld id="{784E64D1-98C7-4B77-84F9-DF3C412D121F}" type="datetimeFigureOut">
               <a:rPr lang="ru-RU" smtClean="0"/>
-              <a:t>22.01.2020</a:t>
+              <a:t>23.01.2020</a:t>
             </a:fld>
             <a:endParaRPr lang="ru-RU"/>
           </a:p>
@@ -2083,7 +2083,7 @@
           <a:p>
             <a:fld id="{784E64D1-98C7-4B77-84F9-DF3C412D121F}" type="datetimeFigureOut">
               <a:rPr lang="ru-RU" smtClean="0"/>
-              <a:t>22.01.2020</a:t>
+              <a:t>23.01.2020</a:t>
             </a:fld>
             <a:endParaRPr lang="ru-RU"/>
           </a:p>
@@ -2394,7 +2394,7 @@
           <a:p>
             <a:fld id="{784E64D1-98C7-4B77-84F9-DF3C412D121F}" type="datetimeFigureOut">
               <a:rPr lang="ru-RU" smtClean="0"/>
-              <a:t>22.01.2020</a:t>
+              <a:t>23.01.2020</a:t>
             </a:fld>
             <a:endParaRPr lang="ru-RU"/>
           </a:p>
@@ -2682,7 +2682,7 @@
           <a:p>
             <a:fld id="{784E64D1-98C7-4B77-84F9-DF3C412D121F}" type="datetimeFigureOut">
               <a:rPr lang="ru-RU" smtClean="0"/>
-              <a:t>22.01.2020</a:t>
+              <a:t>23.01.2020</a:t>
             </a:fld>
             <a:endParaRPr lang="ru-RU"/>
           </a:p>
@@ -2923,7 +2923,7 @@
           <a:p>
             <a:fld id="{784E64D1-98C7-4B77-84F9-DF3C412D121F}" type="datetimeFigureOut">
               <a:rPr lang="ru-RU" smtClean="0"/>
-              <a:t>22.01.2020</a:t>
+              <a:t>23.01.2020</a:t>
             </a:fld>
             <a:endParaRPr lang="ru-RU"/>
           </a:p>
@@ -3688,10 +3688,10 @@
       </p:sp>
       <p:pic>
         <p:nvPicPr>
-          <p:cNvPr id="8" name="Рисунок 7">
-            <a:extLst>
-              <a:ext uri="{FF2B5EF4-FFF2-40B4-BE49-F238E27FC236}">
-                <a16:creationId xmlns:a16="http://schemas.microsoft.com/office/drawing/2014/main" id="{847417E7-4FC0-4DFD-A99B-B9D86A876D14}"/>
+          <p:cNvPr id="4" name="Рисунок 3">
+            <a:extLst>
+              <a:ext uri="{FF2B5EF4-FFF2-40B4-BE49-F238E27FC236}">
+                <a16:creationId xmlns:a16="http://schemas.microsoft.com/office/drawing/2014/main" id="{9BA243DF-7F7D-44E8-8807-E75D958F1B74}"/>
               </a:ext>
             </a:extLst>
           </p:cNvPr>
@@ -3708,8 +3708,8 @@
         </p:blipFill>
         <p:spPr>
           <a:xfrm>
-            <a:off x="1895475" y="2462212"/>
-            <a:ext cx="8401050" cy="2543175"/>
+            <a:off x="1830459" y="2453460"/>
+            <a:ext cx="8531081" cy="2471253"/>
           </a:xfrm>
           <a:prstGeom prst="rect">
             <a:avLst/>
@@ -3779,10 +3779,10 @@
       </p:sp>
       <p:pic>
         <p:nvPicPr>
-          <p:cNvPr id="3" name="Рисунок 2">
-            <a:extLst>
-              <a:ext uri="{FF2B5EF4-FFF2-40B4-BE49-F238E27FC236}">
-                <a16:creationId xmlns:a16="http://schemas.microsoft.com/office/drawing/2014/main" id="{4EDA5FD0-5694-488F-A88D-634ED180B1EF}"/>
+          <p:cNvPr id="4" name="Рисунок 3">
+            <a:extLst>
+              <a:ext uri="{FF2B5EF4-FFF2-40B4-BE49-F238E27FC236}">
+                <a16:creationId xmlns:a16="http://schemas.microsoft.com/office/drawing/2014/main" id="{78306631-389B-4BB9-84CE-0FF82216CB96}"/>
               </a:ext>
             </a:extLst>
           </p:cNvPr>
@@ -3799,8 +3799,8 @@
         </p:blipFill>
         <p:spPr>
           <a:xfrm>
-            <a:off x="1342880" y="2476500"/>
-            <a:ext cx="10429875" cy="1905000"/>
+            <a:off x="779552" y="2122415"/>
+            <a:ext cx="10632895" cy="2613169"/>
           </a:xfrm>
           <a:prstGeom prst="rect">
             <a:avLst/>
@@ -3870,10 +3870,10 @@
       </p:sp>
       <p:pic>
         <p:nvPicPr>
-          <p:cNvPr id="4" name="Рисунок 3">
-            <a:extLst>
-              <a:ext uri="{FF2B5EF4-FFF2-40B4-BE49-F238E27FC236}">
-                <a16:creationId xmlns:a16="http://schemas.microsoft.com/office/drawing/2014/main" id="{48F02E7B-6999-4C3C-91F3-9CB9FB897685}"/>
+          <p:cNvPr id="3" name="Рисунок 2">
+            <a:extLst>
+              <a:ext uri="{FF2B5EF4-FFF2-40B4-BE49-F238E27FC236}">
+                <a16:creationId xmlns:a16="http://schemas.microsoft.com/office/drawing/2014/main" id="{436AE0EB-0B57-4B1B-9B17-CCDF3F15F4CB}"/>
               </a:ext>
             </a:extLst>
           </p:cNvPr>
@@ -3890,8 +3890,8 @@
         </p:blipFill>
         <p:spPr>
           <a:xfrm>
-            <a:off x="1852612" y="2081357"/>
-            <a:ext cx="8486775" cy="3600450"/>
+            <a:off x="1764407" y="1936173"/>
+            <a:ext cx="8663186" cy="3827318"/>
           </a:xfrm>
           <a:prstGeom prst="rect">
             <a:avLst/>
@@ -5263,10 +5263,10 @@
       </p:sp>
       <p:pic>
         <p:nvPicPr>
-          <p:cNvPr id="3" name="Рисунок 2">
-            <a:extLst>
-              <a:ext uri="{FF2B5EF4-FFF2-40B4-BE49-F238E27FC236}">
-                <a16:creationId xmlns:a16="http://schemas.microsoft.com/office/drawing/2014/main" id="{10ACE37D-A1FC-4555-B4F9-6217A87C66DE}"/>
+          <p:cNvPr id="4" name="Рисунок 3">
+            <a:extLst>
+              <a:ext uri="{FF2B5EF4-FFF2-40B4-BE49-F238E27FC236}">
+                <a16:creationId xmlns:a16="http://schemas.microsoft.com/office/drawing/2014/main" id="{3FBC1EE0-129D-4A25-9FB9-0E0E0A364976}"/>
               </a:ext>
             </a:extLst>
           </p:cNvPr>
@@ -5283,8 +5283,8 @@
         </p:blipFill>
         <p:spPr>
           <a:xfrm>
-            <a:off x="2295006" y="2401455"/>
-            <a:ext cx="1950422" cy="3507736"/>
+            <a:off x="1696108" y="2110075"/>
+            <a:ext cx="2173927" cy="3571450"/>
           </a:xfrm>
           <a:prstGeom prst="rect">
             <a:avLst/>
@@ -5293,10 +5293,10 @@
       </p:pic>
       <p:pic>
         <p:nvPicPr>
-          <p:cNvPr id="7" name="Рисунок 6">
-            <a:extLst>
-              <a:ext uri="{FF2B5EF4-FFF2-40B4-BE49-F238E27FC236}">
-                <a16:creationId xmlns:a16="http://schemas.microsoft.com/office/drawing/2014/main" id="{7A55E08E-CE99-4F06-812E-7E2C9DC54CD1}"/>
+          <p:cNvPr id="5" name="Рисунок 4">
+            <a:extLst>
+              <a:ext uri="{FF2B5EF4-FFF2-40B4-BE49-F238E27FC236}">
+                <a16:creationId xmlns:a16="http://schemas.microsoft.com/office/drawing/2014/main" id="{8FB0CC04-2FB8-410E-A4D9-4484C0EC5150}"/>
               </a:ext>
             </a:extLst>
           </p:cNvPr>
@@ -5313,8 +5313,8 @@
         </p:blipFill>
         <p:spPr>
           <a:xfrm>
-            <a:off x="4461162" y="2110075"/>
-            <a:ext cx="7097016" cy="3702506"/>
+            <a:off x="4759614" y="1928887"/>
+            <a:ext cx="5905500" cy="3933825"/>
           </a:xfrm>
           <a:prstGeom prst="rect">
             <a:avLst/>

--- a/mlstart.backprop.pptx
+++ b/mlstart.backprop.pptx
@@ -3688,10 +3688,10 @@
       </p:sp>
       <p:pic>
         <p:nvPicPr>
-          <p:cNvPr id="4" name="Рисунок 3">
-            <a:extLst>
-              <a:ext uri="{FF2B5EF4-FFF2-40B4-BE49-F238E27FC236}">
-                <a16:creationId xmlns:a16="http://schemas.microsoft.com/office/drawing/2014/main" id="{9BA243DF-7F7D-44E8-8807-E75D958F1B74}"/>
+          <p:cNvPr id="3" name="Рисунок 2">
+            <a:extLst>
+              <a:ext uri="{FF2B5EF4-FFF2-40B4-BE49-F238E27FC236}">
+                <a16:creationId xmlns:a16="http://schemas.microsoft.com/office/drawing/2014/main" id="{8CB56EC5-5FB0-4E39-B6A9-80DDA0EE6928}"/>
               </a:ext>
             </a:extLst>
           </p:cNvPr>
@@ -3708,8 +3708,8 @@
         </p:blipFill>
         <p:spPr>
           <a:xfrm>
-            <a:off x="1830459" y="2453460"/>
-            <a:ext cx="8531081" cy="2471253"/>
+            <a:off x="2417847" y="2311329"/>
+            <a:ext cx="7356306" cy="2235342"/>
           </a:xfrm>
           <a:prstGeom prst="rect">
             <a:avLst/>
@@ -3779,10 +3779,10 @@
       </p:sp>
       <p:pic>
         <p:nvPicPr>
-          <p:cNvPr id="4" name="Рисунок 3">
-            <a:extLst>
-              <a:ext uri="{FF2B5EF4-FFF2-40B4-BE49-F238E27FC236}">
-                <a16:creationId xmlns:a16="http://schemas.microsoft.com/office/drawing/2014/main" id="{78306631-389B-4BB9-84CE-0FF82216CB96}"/>
+          <p:cNvPr id="3" name="Рисунок 2">
+            <a:extLst>
+              <a:ext uri="{FF2B5EF4-FFF2-40B4-BE49-F238E27FC236}">
+                <a16:creationId xmlns:a16="http://schemas.microsoft.com/office/drawing/2014/main" id="{F89A773B-8000-4010-9159-43CFABBA9E0B}"/>
               </a:ext>
             </a:extLst>
           </p:cNvPr>
@@ -3799,8 +3799,8 @@
         </p:blipFill>
         <p:spPr>
           <a:xfrm>
-            <a:off x="779552" y="2122415"/>
-            <a:ext cx="10632895" cy="2613169"/>
+            <a:off x="447177" y="2333264"/>
+            <a:ext cx="11297646" cy="2191471"/>
           </a:xfrm>
           <a:prstGeom prst="rect">
             <a:avLst/>
